--- a/ALG1-EXPO.pptx
+++ b/ALG1-EXPO.pptx
@@ -122,6 +122,11 @@
       </a:defRPr>
     </a:lvl9pPr>
   </p:defaultTextStyle>
+  <p:extLst>
+    <p:ext uri="{EFAFB233-063F-42B5-8137-9DF3F51BA10A}">
+      <p15:sldGuideLst xmlns:p15="http://schemas.microsoft.com/office/powerpoint/2012/main"/>
+    </p:ext>
+  </p:extLst>
 </p:presentation>
 </file>
 
@@ -295,7 +300,7 @@
             <a:fld id="{87DE6118-2437-4B30-8E3C-4D2BE6020583}" type="datetimeFigureOut">
               <a:rPr lang="en-US" dirty="0"/>
               <a:pPr/>
-              <a:t>6/18/2019</a:t>
+              <a:t>6/25/2019</a:t>
             </a:fld>
             <a:endParaRPr lang="en-US" dirty="0"/>
           </a:p>
@@ -621,7 +626,7 @@
           <a:p>
             <a:fld id="{87DE6118-2437-4B30-8E3C-4D2BE6020583}" type="datetimeFigureOut">
               <a:rPr lang="en-US" dirty="0"/>
-              <a:t>6/18/2019</a:t>
+              <a:t>6/25/2019</a:t>
             </a:fld>
             <a:endParaRPr lang="en-US" dirty="0"/>
           </a:p>
@@ -796,7 +801,7 @@
           <a:p>
             <a:fld id="{87DE6118-2437-4B30-8E3C-4D2BE6020583}" type="datetimeFigureOut">
               <a:rPr lang="en-US" dirty="0"/>
-              <a:t>6/18/2019</a:t>
+              <a:t>6/25/2019</a:t>
             </a:fld>
             <a:endParaRPr lang="en-US" dirty="0"/>
           </a:p>
@@ -961,7 +966,7 @@
           <a:p>
             <a:fld id="{87DE6118-2437-4B30-8E3C-4D2BE6020583}" type="datetimeFigureOut">
               <a:rPr lang="en-US" dirty="0"/>
-              <a:t>6/18/2019</a:t>
+              <a:t>6/25/2019</a:t>
             </a:fld>
             <a:endParaRPr lang="en-US" dirty="0"/>
           </a:p>
@@ -1234,7 +1239,7 @@
             <a:fld id="{87DE6118-2437-4B30-8E3C-4D2BE6020583}" type="datetimeFigureOut">
               <a:rPr lang="en-US" dirty="0"/>
               <a:pPr/>
-              <a:t>6/18/2019</a:t>
+              <a:t>6/25/2019</a:t>
             </a:fld>
             <a:endParaRPr lang="en-US" dirty="0"/>
           </a:p>
@@ -1624,7 +1629,7 @@
           <a:p>
             <a:fld id="{87DE6118-2437-4B30-8E3C-4D2BE6020583}" type="datetimeFigureOut">
               <a:rPr lang="en-US" dirty="0"/>
-              <a:t>6/18/2019</a:t>
+              <a:t>6/25/2019</a:t>
             </a:fld>
             <a:endParaRPr lang="en-US" dirty="0"/>
           </a:p>
@@ -2096,7 +2101,7 @@
           <a:p>
             <a:fld id="{87DE6118-2437-4B30-8E3C-4D2BE6020583}" type="datetimeFigureOut">
               <a:rPr lang="en-US" dirty="0"/>
-              <a:t>6/18/2019</a:t>
+              <a:t>6/25/2019</a:t>
             </a:fld>
             <a:endParaRPr lang="en-US" dirty="0"/>
           </a:p>
@@ -2209,7 +2214,7 @@
           <a:p>
             <a:fld id="{87DE6118-2437-4B30-8E3C-4D2BE6020583}" type="datetimeFigureOut">
               <a:rPr lang="en-US" dirty="0"/>
-              <a:t>6/18/2019</a:t>
+              <a:t>6/25/2019</a:t>
             </a:fld>
             <a:endParaRPr lang="en-US" dirty="0"/>
           </a:p>
@@ -2299,7 +2304,7 @@
           <a:p>
             <a:fld id="{87DE6118-2437-4B30-8E3C-4D2BE6020583}" type="datetimeFigureOut">
               <a:rPr lang="en-US" dirty="0"/>
-              <a:t>6/18/2019</a:t>
+              <a:t>6/25/2019</a:t>
             </a:fld>
             <a:endParaRPr lang="en-US" dirty="0"/>
           </a:p>
@@ -2641,7 +2646,7 @@
             <a:fld id="{87DE6118-2437-4B30-8E3C-4D2BE6020583}" type="datetimeFigureOut">
               <a:rPr lang="en-US" dirty="0"/>
               <a:pPr/>
-              <a:t>6/18/2019</a:t>
+              <a:t>6/25/2019</a:t>
             </a:fld>
             <a:endParaRPr lang="en-US" dirty="0"/>
           </a:p>
@@ -3026,7 +3031,7 @@
             <a:fld id="{87DE6118-2437-4B30-8E3C-4D2BE6020583}" type="datetimeFigureOut">
               <a:rPr lang="en-US" dirty="0"/>
               <a:pPr/>
-              <a:t>6/18/2019</a:t>
+              <a:t>6/25/2019</a:t>
             </a:fld>
             <a:endParaRPr lang="en-US" dirty="0"/>
           </a:p>
@@ -3301,7 +3306,7 @@
             <a:fld id="{87DE6118-2437-4B30-8E3C-4D2BE6020583}" type="datetimeFigureOut">
               <a:rPr lang="en-US" dirty="0"/>
               <a:pPr/>
-              <a:t>6/18/2019</a:t>
+              <a:t>6/25/2019</a:t>
             </a:fld>
             <a:endParaRPr lang="en-US" dirty="0"/>
           </a:p>
@@ -3872,12 +3877,8 @@
           <a:lstStyle/>
           <a:p>
             <a:r>
-              <a:rPr lang="es-ES" dirty="0" err="1"/>
-              <a:t>Gerad</a:t>
-            </a:r>
-            <a:r>
               <a:rPr lang="es-ES" dirty="0"/>
-              <a:t> Llano</a:t>
+              <a:t>Gerard Llano</a:t>
             </a:r>
           </a:p>
           <a:p>

--- a/ALG1-EXPO.pptx
+++ b/ALG1-EXPO.pptx
@@ -4985,6 +4985,14 @@
 <file path=ppt/slides/slide19.xml><?xml version="1.0" encoding="utf-8"?>
 <p:sld xmlns:a="http://schemas.openxmlformats.org/drawingml/2006/main" xmlns:r="http://schemas.openxmlformats.org/officeDocument/2006/relationships" xmlns:p="http://schemas.openxmlformats.org/presentationml/2006/main">
   <p:cSld>
+    <p:bg>
+      <p:bgPr>
+        <a:solidFill>
+          <a:schemeClr val="bg2"/>
+        </a:solidFill>
+        <a:effectLst/>
+      </p:bgPr>
+    </p:bg>
     <p:spTree>
       <p:nvGrpSpPr>
         <p:cNvPr id="1" name=""/>
@@ -5001,6 +5009,69 @@
       </p:grpSpPr>
       <p:sp>
         <p:nvSpPr>
+          <p:cNvPr id="10" name="Rectangle 9">
+            <a:extLst>
+              <a:ext uri="{FF2B5EF4-FFF2-40B4-BE49-F238E27FC236}">
+                <a16:creationId xmlns:a16="http://schemas.microsoft.com/office/drawing/2014/main" id="{A93D97C6-63EF-4CA6-B01D-25E2772DC9EF}"/>
+              </a:ext>
+              <a:ext uri="{C183D7F6-B498-43B3-948B-1728B52AA6E4}">
+                <adec:decorative xmlns:adec="http://schemas.microsoft.com/office/drawing/2017/decorative" val="1"/>
+              </a:ext>
+            </a:extLst>
+          </p:cNvPr>
+          <p:cNvSpPr>
+            <a:spLocks noGrp="1" noRot="1" noChangeAspect="1" noMove="1" noResize="1" noEditPoints="1" noAdjustHandles="1" noChangeArrowheads="1" noChangeShapeType="1" noTextEdit="1"/>
+          </p:cNvSpPr>
+          <p:nvPr>
+            <p:extLst>
+              <p:ext uri="{386F3935-93C4-4BCD-93E2-E3B085C9AB24}">
+                <p16:designElem xmlns:p16="http://schemas.microsoft.com/office/powerpoint/2015/main" val="1"/>
+              </p:ext>
+            </p:extLst>
+          </p:nvPr>
+        </p:nvSpPr>
+        <p:spPr>
+          <a:xfrm>
+            <a:off x="0" y="0"/>
+            <a:ext cx="12192000" cy="6858000"/>
+          </a:xfrm>
+          <a:prstGeom prst="rect">
+            <a:avLst/>
+          </a:prstGeom>
+          <a:solidFill>
+            <a:schemeClr val="bg2"/>
+          </a:solidFill>
+          <a:ln>
+            <a:noFill/>
+          </a:ln>
+        </p:spPr>
+        <p:style>
+          <a:lnRef idx="2">
+            <a:schemeClr val="accent1">
+              <a:shade val="50000"/>
+            </a:schemeClr>
+          </a:lnRef>
+          <a:fillRef idx="1">
+            <a:schemeClr val="accent1"/>
+          </a:fillRef>
+          <a:effectRef idx="0">
+            <a:schemeClr val="accent1"/>
+          </a:effectRef>
+          <a:fontRef idx="minor">
+            <a:schemeClr val="lt1"/>
+          </a:fontRef>
+        </p:style>
+        <p:txBody>
+          <a:bodyPr rtlCol="0" anchor="ctr"/>
+          <a:lstStyle/>
+          <a:p>
+            <a:pPr algn="ctr"/>
+            <a:endParaRPr lang="en-US"/>
+          </a:p>
+        </p:txBody>
+      </p:sp>
+      <p:sp>
+        <p:nvSpPr>
           <p:cNvPr id="2" name="Title 1">
             <a:extLst>
               <a:ext uri="{FF2B5EF4-FFF2-40B4-BE49-F238E27FC236}">
@@ -5015,9 +5086,16 @@
             <p:ph type="title"/>
           </p:nvPr>
         </p:nvSpPr>
-        <p:spPr/>
-        <p:txBody>
-          <a:bodyPr/>
+        <p:spPr>
+          <a:xfrm>
+            <a:off x="5100824" y="685800"/>
+            <a:ext cx="6176776" cy="1485900"/>
+          </a:xfrm>
+        </p:spPr>
+        <p:txBody>
+          <a:bodyPr>
+            <a:normAutofit/>
+          </a:bodyPr>
           <a:lstStyle/>
           <a:p>
             <a:r>
@@ -5028,15 +5106,100 @@
           </a:p>
         </p:txBody>
       </p:sp>
-      <p:sp>
-        <p:nvSpPr>
-          <p:cNvPr id="3" name="Content Placeholder 2">
+      <p:pic>
+        <p:nvPicPr>
+          <p:cNvPr id="5" name="Picture 4">
             <a:extLst>
               <a:ext uri="{FF2B5EF4-FFF2-40B4-BE49-F238E27FC236}">
-                <a16:creationId xmlns:a16="http://schemas.microsoft.com/office/drawing/2014/main" id="{74130C2B-DE5F-42F0-AC48-B2FA32FD1BAD}"/>
+                <a16:creationId xmlns:a16="http://schemas.microsoft.com/office/drawing/2014/main" id="{A4F49400-938C-4EC8-870B-31CADAEBFA8F}"/>
               </a:ext>
             </a:extLst>
           </p:cNvPr>
+          <p:cNvPicPr>
+            <a:picLocks noChangeAspect="1"/>
+          </p:cNvPicPr>
+          <p:nvPr/>
+        </p:nvPicPr>
+        <p:blipFill>
+          <a:blip r:embed="rId2"/>
+          <a:stretch>
+            <a:fillRect/>
+          </a:stretch>
+        </p:blipFill>
+        <p:spPr>
+          <a:xfrm>
+            <a:off x="835726" y="639704"/>
+            <a:ext cx="2690487" cy="5577840"/>
+          </a:xfrm>
+          <a:prstGeom prst="rect">
+            <a:avLst/>
+          </a:prstGeom>
+        </p:spPr>
+      </p:pic>
+      <p:sp>
+        <p:nvSpPr>
+          <p:cNvPr id="12" name="Rectangle 11">
+            <a:extLst>
+              <a:ext uri="{FF2B5EF4-FFF2-40B4-BE49-F238E27FC236}">
+                <a16:creationId xmlns:a16="http://schemas.microsoft.com/office/drawing/2014/main" id="{5DA4A40B-EDCE-42FC-B189-AEFB4F82E818}"/>
+              </a:ext>
+              <a:ext uri="{C183D7F6-B498-43B3-948B-1728B52AA6E4}">
+                <adec:decorative xmlns:adec="http://schemas.microsoft.com/office/drawing/2017/decorative" val="1"/>
+              </a:ext>
+            </a:extLst>
+          </p:cNvPr>
+          <p:cNvSpPr>
+            <a:spLocks noGrp="1" noRot="1" noChangeAspect="1" noMove="1" noResize="1" noEditPoints="1" noAdjustHandles="1" noChangeArrowheads="1" noChangeShapeType="1" noTextEdit="1"/>
+          </p:cNvSpPr>
+          <p:nvPr>
+            <p:extLst>
+              <p:ext uri="{386F3935-93C4-4BCD-93E2-E3B085C9AB24}">
+                <p16:designElem xmlns:p16="http://schemas.microsoft.com/office/powerpoint/2015/main" val="1"/>
+              </p:ext>
+            </p:extLst>
+          </p:nvPr>
+        </p:nvSpPr>
+        <p:spPr>
+          <a:xfrm>
+            <a:off x="4373545" y="376"/>
+            <a:ext cx="228600" cy="6858000"/>
+          </a:xfrm>
+          <a:prstGeom prst="rect">
+            <a:avLst/>
+          </a:prstGeom>
+          <a:solidFill>
+            <a:schemeClr val="tx2"/>
+          </a:solidFill>
+          <a:ln>
+            <a:noFill/>
+          </a:ln>
+        </p:spPr>
+        <p:style>
+          <a:lnRef idx="2">
+            <a:schemeClr val="accent1">
+              <a:shade val="50000"/>
+            </a:schemeClr>
+          </a:lnRef>
+          <a:fillRef idx="1">
+            <a:schemeClr val="accent1"/>
+          </a:fillRef>
+          <a:effectRef idx="0">
+            <a:schemeClr val="accent1"/>
+          </a:effectRef>
+          <a:fontRef idx="minor">
+            <a:schemeClr val="lt1"/>
+          </a:fontRef>
+        </p:style>
+      </p:sp>
+      <p:sp>
+        <p:nvSpPr>
+          <p:cNvPr id="4" name="Content Placeholder 2">
+            <a:extLst>
+              <a:ext uri="{FF2B5EF4-FFF2-40B4-BE49-F238E27FC236}">
+                <a16:creationId xmlns:a16="http://schemas.microsoft.com/office/drawing/2014/main" id="{60CA301A-C964-4AC6-B2FD-8F3C87984481}"/>
+              </a:ext>
+            </a:extLst>
+          </p:cNvPr>
           <p:cNvSpPr>
             <a:spLocks noGrp="1"/>
           </p:cNvSpPr>
@@ -5044,12 +5207,63 @@
             <p:ph idx="1"/>
           </p:nvPr>
         </p:nvSpPr>
-        <p:spPr/>
-        <p:txBody>
-          <a:bodyPr/>
+        <p:spPr>
+          <a:xfrm>
+            <a:off x="5100824" y="2286000"/>
+            <a:ext cx="6176776" cy="3581400"/>
+          </a:xfrm>
+        </p:spPr>
+        <p:txBody>
+          <a:bodyPr>
+            <a:normAutofit/>
+          </a:bodyPr>
           <a:lstStyle/>
           <a:p>
-            <a:endParaRPr lang="es-DO"/>
+            <a:r>
+              <a:rPr lang="es-DO" dirty="0"/>
+              <a:t>INICIO</a:t>
+            </a:r>
+          </a:p>
+          <a:p>
+            <a:r>
+              <a:rPr lang="es-DO" dirty="0"/>
+              <a:t>INTRODUCIR DATOS</a:t>
+            </a:r>
+          </a:p>
+          <a:p>
+            <a:r>
+              <a:rPr lang="es-DO" dirty="0"/>
+              <a:t>CONSULTAR DATOS</a:t>
+            </a:r>
+          </a:p>
+          <a:p>
+            <a:r>
+              <a:rPr lang="es-DO" dirty="0"/>
+              <a:t>¿EL CAMPO ESTA VACÍO?</a:t>
+            </a:r>
+          </a:p>
+          <a:p>
+            <a:pPr lvl="1"/>
+            <a:r>
+              <a:rPr lang="es-DO" dirty="0"/>
+              <a:t>SI: IMPRIMIR: “LA CAJA ESTA VACÍA”</a:t>
+            </a:r>
+          </a:p>
+          <a:p>
+            <a:pPr lvl="1"/>
+            <a:r>
+              <a:rPr lang="es-DO" dirty="0"/>
+              <a:t>NO: IMPRIMIR: VALOR DE LA CAJA</a:t>
+            </a:r>
+          </a:p>
+          <a:p>
+            <a:r>
+              <a:rPr lang="es-DO" dirty="0"/>
+              <a:t>FIN</a:t>
+            </a:r>
+          </a:p>
+          <a:p>
+            <a:endParaRPr lang="es-DO" dirty="0"/>
           </a:p>
         </p:txBody>
       </p:sp>
